--- a/Azure_Functions_PhatTran.pptx
+++ b/Azure_Functions_PhatTran.pptx
@@ -22,9 +22,9 @@
     <p:sldId id="289" r:id="rId13"/>
     <p:sldId id="261" r:id="rId14"/>
     <p:sldId id="290" r:id="rId15"/>
-    <p:sldId id="291" r:id="rId16"/>
-    <p:sldId id="293" r:id="rId17"/>
-    <p:sldId id="294" r:id="rId18"/>
+    <p:sldId id="294" r:id="rId16"/>
+    <p:sldId id="291" r:id="rId17"/>
+    <p:sldId id="293" r:id="rId18"/>
     <p:sldId id="295" r:id="rId19"/>
     <p:sldId id="296" r:id="rId20"/>
     <p:sldId id="297" r:id="rId21"/>
@@ -3168,7 +3168,7 @@
             </a:pPr>
             <a:r>
               <a:rPr lang="en-US" dirty="0"/>
-              <a:t>Often the output of one function needs to be applied to the input of another function.</a:t>
+              <a:t>A common way to implement this pattern is to have an HTTP call trigger the long-</a:t>
             </a:r>
           </a:p>
           <a:p>
@@ -3184,7 +3184,23 @@
             </a:pPr>
             <a:r>
               <a:rPr lang="en-US" dirty="0"/>
-              <a:t>Durable Functions allows us to implement this pattern concisely in code.</a:t>
+              <a:t>running action, then redirect the client to a status endpoint that they can poll to learn</a:t>
+            </a:r>
+          </a:p>
+          <a:p>
+            <a:pPr marL="0" lvl="0" indent="0" algn="l" rtl="0">
+              <a:spcBef>
+                <a:spcPts val="0"/>
+              </a:spcBef>
+              <a:spcAft>
+                <a:spcPts val="0"/>
+              </a:spcAft>
+              <a:buFontTx/>
+              <a:buNone/>
+            </a:pPr>
+            <a:r>
+              <a:rPr lang="en-US" dirty="0"/>
+              <a:t>when the operation is complete.</a:t>
             </a:r>
             <a:endParaRPr dirty="0"/>
           </a:p>
@@ -3193,7 +3209,7 @@
     </p:spTree>
     <p:extLst>
       <p:ext uri="{BB962C8B-B14F-4D97-AF65-F5344CB8AC3E}">
-        <p14:creationId xmlns:p14="http://schemas.microsoft.com/office/powerpoint/2010/main" val="3983927965"/>
+        <p14:creationId xmlns:p14="http://schemas.microsoft.com/office/powerpoint/2010/main" val="1903904671"/>
       </p:ext>
     </p:extLst>
   </p:cSld>
@@ -3298,7 +3314,7 @@
             </a:pPr>
             <a:r>
               <a:rPr lang="en-US" dirty="0"/>
-              <a:t>- Fanning out can be completed with normal functions by having the function send</a:t>
+              <a:t>Often the output of one function needs to be applied to the input of another function.</a:t>
             </a:r>
           </a:p>
           <a:p>
@@ -3314,55 +3330,7 @@
             </a:pPr>
             <a:r>
               <a:rPr lang="en-US" dirty="0"/>
-              <a:t>multiple messages to a queue.</a:t>
-            </a:r>
-          </a:p>
-          <a:p>
-            <a:pPr marL="0" lvl="0" indent="0" algn="l" rtl="0">
-              <a:spcBef>
-                <a:spcPts val="0"/>
-              </a:spcBef>
-              <a:spcAft>
-                <a:spcPts val="0"/>
-              </a:spcAft>
-              <a:buFontTx/>
-              <a:buNone/>
-            </a:pPr>
-            <a:r>
-              <a:rPr lang="en-US" dirty="0"/>
-              <a:t>- Fanning in is much more difficult because we have to write code to track when</a:t>
-            </a:r>
-          </a:p>
-          <a:p>
-            <a:pPr marL="0" lvl="0" indent="0" algn="l" rtl="0">
-              <a:spcBef>
-                <a:spcPts val="0"/>
-              </a:spcBef>
-              <a:spcAft>
-                <a:spcPts val="0"/>
-              </a:spcAft>
-              <a:buFontTx/>
-              <a:buNone/>
-            </a:pPr>
-            <a:r>
-              <a:rPr lang="en-US" dirty="0"/>
-              <a:t>the queue-triggered functions end and store function outputs.</a:t>
-            </a:r>
-          </a:p>
-          <a:p>
-            <a:pPr marL="0" lvl="0" indent="0" algn="l" rtl="0">
-              <a:spcBef>
-                <a:spcPts val="0"/>
-              </a:spcBef>
-              <a:spcAft>
-                <a:spcPts val="0"/>
-              </a:spcAft>
-              <a:buFontTx/>
-              <a:buNone/>
-            </a:pPr>
-            <a:r>
-              <a:rPr lang="en-US" dirty="0"/>
-              <a:t>=&gt; But durable Functions extension handles this pattern with relatively simple code</a:t>
+              <a:t>Durable Functions allows us to implement this pattern concisely in code.</a:t>
             </a:r>
             <a:endParaRPr dirty="0"/>
           </a:p>
@@ -3371,7 +3339,7 @@
     </p:spTree>
     <p:extLst>
       <p:ext uri="{BB962C8B-B14F-4D97-AF65-F5344CB8AC3E}">
-        <p14:creationId xmlns:p14="http://schemas.microsoft.com/office/powerpoint/2010/main" val="3170179608"/>
+        <p14:creationId xmlns:p14="http://schemas.microsoft.com/office/powerpoint/2010/main" val="3983927965"/>
       </p:ext>
     </p:extLst>
   </p:cSld>
@@ -3476,7 +3444,7 @@
             </a:pPr>
             <a:r>
               <a:rPr lang="en-US" dirty="0"/>
-              <a:t>A common way to implement this pattern is to have an HTTP call trigger the long-</a:t>
+              <a:t>- Fanning out can be completed with normal functions by having the function send</a:t>
             </a:r>
           </a:p>
           <a:p>
@@ -3492,7 +3460,7 @@
             </a:pPr>
             <a:r>
               <a:rPr lang="en-US" dirty="0"/>
-              <a:t>running action, then redirect the client to a status endpoint that they can poll to learn</a:t>
+              <a:t>multiple messages to a queue.</a:t>
             </a:r>
           </a:p>
           <a:p>
@@ -3508,7 +3476,39 @@
             </a:pPr>
             <a:r>
               <a:rPr lang="en-US" dirty="0"/>
-              <a:t>when the operation is complete.</a:t>
+              <a:t>- Fanning in is much more difficult because we have to write code to track when</a:t>
+            </a:r>
+          </a:p>
+          <a:p>
+            <a:pPr marL="0" lvl="0" indent="0" algn="l" rtl="0">
+              <a:spcBef>
+                <a:spcPts val="0"/>
+              </a:spcBef>
+              <a:spcAft>
+                <a:spcPts val="0"/>
+              </a:spcAft>
+              <a:buFontTx/>
+              <a:buNone/>
+            </a:pPr>
+            <a:r>
+              <a:rPr lang="en-US" dirty="0"/>
+              <a:t>the queue-triggered functions end and store function outputs.</a:t>
+            </a:r>
+          </a:p>
+          <a:p>
+            <a:pPr marL="0" lvl="0" indent="0" algn="l" rtl="0">
+              <a:spcBef>
+                <a:spcPts val="0"/>
+              </a:spcBef>
+              <a:spcAft>
+                <a:spcPts val="0"/>
+              </a:spcAft>
+              <a:buFontTx/>
+              <a:buNone/>
+            </a:pPr>
+            <a:r>
+              <a:rPr lang="en-US" dirty="0"/>
+              <a:t>=&gt; But durable Functions extension handles this pattern with relatively simple code</a:t>
             </a:r>
             <a:endParaRPr dirty="0"/>
           </a:p>
@@ -3517,7 +3517,7 @@
     </p:spTree>
     <p:extLst>
       <p:ext uri="{BB962C8B-B14F-4D97-AF65-F5344CB8AC3E}">
-        <p14:creationId xmlns:p14="http://schemas.microsoft.com/office/powerpoint/2010/main" val="1903904671"/>
+        <p14:creationId xmlns:p14="http://schemas.microsoft.com/office/powerpoint/2010/main" val="3170179608"/>
       </p:ext>
     </p:extLst>
   </p:cSld>
@@ -13861,7 +13861,7 @@
         <p:spPr>
           <a:xfrm>
             <a:off x="393000" y="633675"/>
-            <a:ext cx="8358000" cy="800189"/>
+            <a:ext cx="8358000" cy="1415742"/>
           </a:xfrm>
           <a:prstGeom prst="rect">
             <a:avLst/>
@@ -13891,26 +13891,56 @@
                 <a:cs typeface="Roboto Light"/>
                 <a:sym typeface="Roboto Light"/>
               </a:rPr>
-              <a:t>Function chaining:</a:t>
+              <a:t>Durable Functions </a:t>
             </a:r>
             <a:r>
               <a:rPr lang="en-US" sz="2000" dirty="0">
                 <a:solidFill>
                   <a:srgbClr val="151B22"/>
                 </a:solidFill>
-                <a:latin typeface="Roboto Light"/>
-                <a:ea typeface="Roboto Light"/>
+                <a:latin typeface="Roboto Light" panose="02000000000000000000" pitchFamily="2" charset="0"/>
+                <a:ea typeface="Roboto Light" panose="02000000000000000000" pitchFamily="2" charset="0"/>
                 <a:cs typeface="Roboto Light"/>
                 <a:sym typeface="Roboto Light"/>
               </a:rPr>
-              <a:t> the pattern of executing a sequence of functions in a specific order.</a:t>
+              <a:t>provide built-in APIs that simplify the code we write for interacting with long-running function executions.</a:t>
+            </a:r>
+          </a:p>
+          <a:p>
+            <a:pPr marL="171450" lvl="0" indent="-171450">
+              <a:buFont typeface="Arial" panose="020B0604020202020204" pitchFamily="34" charset="0"/>
+              <a:buChar char="•"/>
+            </a:pPr>
+            <a:r>
+              <a:rPr lang="en-US" sz="2000" b="1" dirty="0">
+                <a:solidFill>
+                  <a:srgbClr val="151B22"/>
+                </a:solidFill>
+                <a:latin typeface="Roboto" pitchFamily="2" charset="0"/>
+                <a:ea typeface="Roboto" pitchFamily="2" charset="0"/>
+                <a:cs typeface="Roboto Light"/>
+                <a:sym typeface="Roboto Light"/>
+              </a:rPr>
+              <a:t>The Async HTTP API </a:t>
+            </a:r>
+            <a:r>
+              <a:rPr lang="en-US" sz="2000" dirty="0">
+                <a:solidFill>
+                  <a:srgbClr val="151B22"/>
+                </a:solidFill>
+                <a:latin typeface="Roboto Light" panose="02000000000000000000" pitchFamily="2" charset="0"/>
+                <a:ea typeface="Roboto Light" panose="02000000000000000000" pitchFamily="2" charset="0"/>
+                <a:cs typeface="Roboto Light"/>
+                <a:sym typeface="Roboto Light"/>
+              </a:rPr>
+              <a:t>pattern addresses the problem of coordinating the state of long-running operations with external clients.</a:t>
             </a:r>
             <a:endParaRPr sz="2000" dirty="0">
               <a:solidFill>
                 <a:srgbClr val="151B22"/>
               </a:solidFill>
-              <a:latin typeface="Roboto Light"/>
-              <a:ea typeface="Roboto Light"/>
+              <a:latin typeface="Roboto Light" panose="02000000000000000000" pitchFamily="2" charset="0"/>
+              <a:ea typeface="Roboto Light" panose="02000000000000000000" pitchFamily="2" charset="0"/>
               <a:cs typeface="Roboto Light"/>
               <a:sym typeface="Roboto Light"/>
             </a:endParaRPr>
@@ -13922,7 +13952,7 @@
           <p:cNvPr id="2" name="Picture 1">
             <a:extLst>
               <a:ext uri="{FF2B5EF4-FFF2-40B4-BE49-F238E27FC236}">
-                <a16:creationId xmlns:a16="http://schemas.microsoft.com/office/drawing/2014/main" id="{4F2B5329-52E6-41CE-B782-00EBC4979964}"/>
+                <a16:creationId xmlns:a16="http://schemas.microsoft.com/office/drawing/2014/main" id="{23D500D0-C062-4390-841F-BA4BCC64DECA}"/>
               </a:ext>
             </a:extLst>
           </p:cNvPr>
@@ -13939,8 +13969,8 @@
         </p:blipFill>
         <p:spPr>
           <a:xfrm>
-            <a:off x="46993" y="1742959"/>
-            <a:ext cx="9050013" cy="1657581"/>
+            <a:off x="2647686" y="2024986"/>
+            <a:ext cx="3848627" cy="2916466"/>
           </a:xfrm>
           <a:prstGeom prst="rect">
             <a:avLst/>
@@ -13950,7 +13980,7 @@
     </p:spTree>
     <p:extLst>
       <p:ext uri="{BB962C8B-B14F-4D97-AF65-F5344CB8AC3E}">
-        <p14:creationId xmlns:p14="http://schemas.microsoft.com/office/powerpoint/2010/main" val="1889948560"/>
+        <p14:creationId xmlns:p14="http://schemas.microsoft.com/office/powerpoint/2010/main" val="1506986344"/>
       </p:ext>
     </p:extLst>
   </p:cSld>
@@ -14174,38 +14204,26 @@
                 <a:cs typeface="Roboto Light"/>
                 <a:sym typeface="Roboto Light"/>
               </a:rPr>
-              <a:t>Fan-out/fan-in:</a:t>
+              <a:t>Function chaining:</a:t>
             </a:r>
             <a:r>
               <a:rPr lang="en-US" sz="2000" dirty="0">
                 <a:solidFill>
                   <a:srgbClr val="151B22"/>
                 </a:solidFill>
-                <a:latin typeface="Roboto" pitchFamily="2" charset="0"/>
-                <a:ea typeface="Roboto" pitchFamily="2" charset="0"/>
+                <a:latin typeface="Roboto Light"/>
+                <a:ea typeface="Roboto Light"/>
                 <a:cs typeface="Roboto Light"/>
                 <a:sym typeface="Roboto Light"/>
               </a:rPr>
-              <a:t> </a:t>
-            </a:r>
-            <a:r>
-              <a:rPr lang="en-US" sz="2000" dirty="0">
-                <a:solidFill>
-                  <a:srgbClr val="151B22"/>
-                </a:solidFill>
-                <a:latin typeface="Roboto Light" panose="02000000000000000000" pitchFamily="2" charset="0"/>
-                <a:ea typeface="Roboto Light" panose="02000000000000000000" pitchFamily="2" charset="0"/>
-                <a:cs typeface="Roboto Light"/>
-                <a:sym typeface="Roboto Light"/>
-              </a:rPr>
-              <a:t>the pattern of executing multiple functions in parallel and then waiting for them all to finish.</a:t>
+              <a:t> the pattern of executing a sequence of functions in a specific order.</a:t>
             </a:r>
             <a:endParaRPr sz="2000" dirty="0">
               <a:solidFill>
                 <a:srgbClr val="151B22"/>
               </a:solidFill>
-              <a:latin typeface="Roboto Light" panose="02000000000000000000" pitchFamily="2" charset="0"/>
-              <a:ea typeface="Roboto Light" panose="02000000000000000000" pitchFamily="2" charset="0"/>
+              <a:latin typeface="Roboto Light"/>
+              <a:ea typeface="Roboto Light"/>
               <a:cs typeface="Roboto Light"/>
               <a:sym typeface="Roboto Light"/>
             </a:endParaRPr>
@@ -14214,10 +14232,10 @@
       </p:sp>
       <p:pic>
         <p:nvPicPr>
-          <p:cNvPr id="4" name="Picture 3">
+          <p:cNvPr id="2" name="Picture 1">
             <a:extLst>
               <a:ext uri="{FF2B5EF4-FFF2-40B4-BE49-F238E27FC236}">
-                <a16:creationId xmlns:a16="http://schemas.microsoft.com/office/drawing/2014/main" id="{7EAE0A60-8138-4F66-BE49-ED159A3DBCA2}"/>
+                <a16:creationId xmlns:a16="http://schemas.microsoft.com/office/drawing/2014/main" id="{4F2B5329-52E6-41CE-B782-00EBC4979964}"/>
               </a:ext>
             </a:extLst>
           </p:cNvPr>
@@ -14234,8 +14252,8 @@
         </p:blipFill>
         <p:spPr>
           <a:xfrm>
-            <a:off x="1556916" y="1433864"/>
-            <a:ext cx="6030167" cy="2829320"/>
+            <a:off x="46993" y="1742959"/>
+            <a:ext cx="9050013" cy="1657581"/>
           </a:xfrm>
           <a:prstGeom prst="rect">
             <a:avLst/>
@@ -14245,7 +14263,7 @@
     </p:spTree>
     <p:extLst>
       <p:ext uri="{BB962C8B-B14F-4D97-AF65-F5344CB8AC3E}">
-        <p14:creationId xmlns:p14="http://schemas.microsoft.com/office/powerpoint/2010/main" val="1735793514"/>
+        <p14:creationId xmlns:p14="http://schemas.microsoft.com/office/powerpoint/2010/main" val="1889948560"/>
       </p:ext>
     </p:extLst>
   </p:cSld>
@@ -14439,7 +14457,7 @@
         <p:spPr>
           <a:xfrm>
             <a:off x="393000" y="633675"/>
-            <a:ext cx="8358000" cy="1415742"/>
+            <a:ext cx="8358000" cy="800189"/>
           </a:xfrm>
           <a:prstGeom prst="rect">
             <a:avLst/>
@@ -14469,7 +14487,19 @@
                 <a:cs typeface="Roboto Light"/>
                 <a:sym typeface="Roboto Light"/>
               </a:rPr>
-              <a:t>Durable Functions </a:t>
+              <a:t>Fan-out/fan-in:</a:t>
+            </a:r>
+            <a:r>
+              <a:rPr lang="en-US" sz="2000" dirty="0">
+                <a:solidFill>
+                  <a:srgbClr val="151B22"/>
+                </a:solidFill>
+                <a:latin typeface="Roboto" pitchFamily="2" charset="0"/>
+                <a:ea typeface="Roboto" pitchFamily="2" charset="0"/>
+                <a:cs typeface="Roboto Light"/>
+                <a:sym typeface="Roboto Light"/>
+              </a:rPr>
+              <a:t> </a:t>
             </a:r>
             <a:r>
               <a:rPr lang="en-US" sz="2000" dirty="0">
@@ -14481,37 +14511,7 @@
                 <a:cs typeface="Roboto Light"/>
                 <a:sym typeface="Roboto Light"/>
               </a:rPr>
-              <a:t>provide built-in APIs that simplify the code we write for interacting with long-running function executions.</a:t>
-            </a:r>
-          </a:p>
-          <a:p>
-            <a:pPr marL="171450" lvl="0" indent="-171450">
-              <a:buFont typeface="Arial" panose="020B0604020202020204" pitchFamily="34" charset="0"/>
-              <a:buChar char="•"/>
-            </a:pPr>
-            <a:r>
-              <a:rPr lang="en-US" sz="2000" b="1" dirty="0">
-                <a:solidFill>
-                  <a:srgbClr val="151B22"/>
-                </a:solidFill>
-                <a:latin typeface="Roboto" pitchFamily="2" charset="0"/>
-                <a:ea typeface="Roboto" pitchFamily="2" charset="0"/>
-                <a:cs typeface="Roboto Light"/>
-                <a:sym typeface="Roboto Light"/>
-              </a:rPr>
-              <a:t>The Async HTTP API </a:t>
-            </a:r>
-            <a:r>
-              <a:rPr lang="en-US" sz="2000" dirty="0">
-                <a:solidFill>
-                  <a:srgbClr val="151B22"/>
-                </a:solidFill>
-                <a:latin typeface="Roboto Light" panose="02000000000000000000" pitchFamily="2" charset="0"/>
-                <a:ea typeface="Roboto Light" panose="02000000000000000000" pitchFamily="2" charset="0"/>
-                <a:cs typeface="Roboto Light"/>
-                <a:sym typeface="Roboto Light"/>
-              </a:rPr>
-              <a:t>pattern addresses the problem of coordinating the state of long-running operations with external clients.</a:t>
+              <a:t>the pattern of executing multiple functions in parallel and then waiting for them all to finish.</a:t>
             </a:r>
             <a:endParaRPr sz="2000" dirty="0">
               <a:solidFill>
@@ -14527,10 +14527,10 @@
       </p:sp>
       <p:pic>
         <p:nvPicPr>
-          <p:cNvPr id="2" name="Picture 1">
+          <p:cNvPr id="4" name="Picture 3">
             <a:extLst>
               <a:ext uri="{FF2B5EF4-FFF2-40B4-BE49-F238E27FC236}">
-                <a16:creationId xmlns:a16="http://schemas.microsoft.com/office/drawing/2014/main" id="{23D500D0-C062-4390-841F-BA4BCC64DECA}"/>
+                <a16:creationId xmlns:a16="http://schemas.microsoft.com/office/drawing/2014/main" id="{7EAE0A60-8138-4F66-BE49-ED159A3DBCA2}"/>
               </a:ext>
             </a:extLst>
           </p:cNvPr>
@@ -14547,8 +14547,8 @@
         </p:blipFill>
         <p:spPr>
           <a:xfrm>
-            <a:off x="2647686" y="2024986"/>
-            <a:ext cx="3848627" cy="2916466"/>
+            <a:off x="1556916" y="1433864"/>
+            <a:ext cx="6030167" cy="2829320"/>
           </a:xfrm>
           <a:prstGeom prst="rect">
             <a:avLst/>
@@ -14558,7 +14558,7 @@
     </p:spTree>
     <p:extLst>
       <p:ext uri="{BB962C8B-B14F-4D97-AF65-F5344CB8AC3E}">
-        <p14:creationId xmlns:p14="http://schemas.microsoft.com/office/powerpoint/2010/main" val="1506986344"/>
+        <p14:creationId xmlns:p14="http://schemas.microsoft.com/office/powerpoint/2010/main" val="1735793514"/>
       </p:ext>
     </p:extLst>
   </p:cSld>
@@ -21123,7 +21123,7 @@
 
 <file path=ppt/tags/tag1.xml><?xml version="1.0" encoding="utf-8"?>
 <p:tagLst xmlns:a="http://schemas.openxmlformats.org/drawingml/2006/main" xmlns:r="http://schemas.openxmlformats.org/officeDocument/2006/relationships" xmlns:p="http://schemas.openxmlformats.org/presentationml/2006/main">
-  <p:tag name="WR_METADATA_KEY" val="ec2a64a0-f02f-48ae-ab05-c988b795a478"/>
+  <p:tag name="WR_METADATA_KEY" val="e2b4ee6a-19a5-4a00-9cc5-6de09cda2add"/>
 </p:tagLst>
 </file>
 

--- a/Azure_Functions_PhatTran.pptx
+++ b/Azure_Functions_PhatTran.pptx
@@ -13,8 +13,8 @@
     <p:sldId id="258" r:id="rId4"/>
     <p:sldId id="259" r:id="rId5"/>
     <p:sldId id="281" r:id="rId6"/>
-    <p:sldId id="283" r:id="rId7"/>
-    <p:sldId id="282" r:id="rId8"/>
+    <p:sldId id="282" r:id="rId7"/>
+    <p:sldId id="283" r:id="rId8"/>
     <p:sldId id="284" r:id="rId9"/>
     <p:sldId id="286" r:id="rId10"/>
     <p:sldId id="287" r:id="rId11"/>
@@ -5534,7 +5534,79 @@
               </a:spcAft>
               <a:buNone/>
             </a:pPr>
-            <a:endParaRPr/>
+            <a:r>
+              <a:rPr lang="en-US" dirty="0" err="1"/>
+              <a:t>Vì</a:t>
+            </a:r>
+            <a:r>
+              <a:rPr lang="en-US" dirty="0"/>
+              <a:t> Azure Function </a:t>
+            </a:r>
+            <a:r>
+              <a:rPr lang="en-US" dirty="0" err="1"/>
+              <a:t>là</a:t>
+            </a:r>
+            <a:r>
+              <a:rPr lang="en-US" dirty="0"/>
+              <a:t> </a:t>
+            </a:r>
+            <a:r>
+              <a:rPr lang="en-US" dirty="0" err="1"/>
+              <a:t>một</a:t>
+            </a:r>
+            <a:r>
+              <a:rPr lang="en-US" dirty="0"/>
+              <a:t> </a:t>
+            </a:r>
+            <a:r>
+              <a:rPr lang="en-US" dirty="0" err="1"/>
+              <a:t>phần</a:t>
+            </a:r>
+            <a:r>
+              <a:rPr lang="en-US" dirty="0"/>
+              <a:t> </a:t>
+            </a:r>
+            <a:r>
+              <a:rPr lang="en-US" dirty="0" err="1"/>
+              <a:t>của</a:t>
+            </a:r>
+            <a:r>
+              <a:rPr lang="en-US" dirty="0"/>
+              <a:t> </a:t>
+            </a:r>
+            <a:r>
+              <a:rPr lang="en-US" dirty="0" err="1"/>
+              <a:t>hệ</a:t>
+            </a:r>
+            <a:r>
+              <a:rPr lang="en-US" dirty="0"/>
+              <a:t> </a:t>
+            </a:r>
+            <a:r>
+              <a:rPr lang="en-US" dirty="0" err="1"/>
+              <a:t>sinht</a:t>
+            </a:r>
+            <a:r>
+              <a:rPr lang="en-US" dirty="0"/>
+              <a:t> </a:t>
+            </a:r>
+            <a:r>
+              <a:rPr lang="en-US" dirty="0" err="1"/>
+              <a:t>hái</a:t>
+            </a:r>
+            <a:r>
+              <a:rPr lang="en-US" dirty="0"/>
+              <a:t> Azure Cloud =&gt; overview </a:t>
+            </a:r>
+            <a:r>
+              <a:rPr lang="en-US" dirty="0" err="1"/>
+              <a:t>nhanh</a:t>
+            </a:r>
+            <a:r>
+              <a:rPr lang="en-US" dirty="0"/>
+              <a:t> qua Azure Cloud</a:t>
+            </a:r>
+            <a:endParaRPr dirty="0"/>
           </a:p>
         </p:txBody>
       </p:sp>
@@ -5800,237 +5872,8 @@
             </a:r>
             <a:r>
               <a:rPr lang="en-US" dirty="0"/>
-              <a:t> Microsoft </a:t>
-            </a:r>
-          </a:p>
-          <a:p>
-            <a:pPr marL="0" lvl="0" indent="0" algn="l" rtl="0">
-              <a:spcBef>
-                <a:spcPts val="0"/>
-              </a:spcBef>
-              <a:spcAft>
-                <a:spcPts val="0"/>
-              </a:spcAft>
-              <a:buFontTx/>
-              <a:buNone/>
-            </a:pPr>
-            <a:r>
-              <a:rPr lang="en-US" dirty="0"/>
-              <a:t>- We have a </a:t>
-            </a:r>
-            <a:r>
-              <a:rPr lang="en-US" dirty="0" err="1"/>
-              <a:t>pice</a:t>
-            </a:r>
-            <a:r>
-              <a:rPr lang="en-US" dirty="0"/>
-              <a:t> of code + Event-triggered + Đ</a:t>
-            </a:r>
-            <a:r>
-              <a:rPr lang="vi-VN" dirty="0"/>
-              <a:t>ư</a:t>
-            </a:r>
-            <a:r>
-              <a:rPr lang="en-US" dirty="0"/>
-              <a:t>a </a:t>
-            </a:r>
-            <a:r>
-              <a:rPr lang="en-US" dirty="0" err="1"/>
-              <a:t>lên</a:t>
-            </a:r>
-            <a:r>
-              <a:rPr lang="en-US" dirty="0"/>
-              <a:t> </a:t>
-            </a:r>
-            <a:r>
-              <a:rPr lang="en-US" dirty="0" err="1"/>
-              <a:t>mây</a:t>
-            </a:r>
-            <a:r>
-              <a:rPr lang="en-US" dirty="0"/>
-              <a:t> =&gt; We have azure function</a:t>
-            </a:r>
-          </a:p>
-          <a:p>
-            <a:pPr marL="0" lvl="0" indent="0" algn="l" rtl="0">
-              <a:spcBef>
-                <a:spcPts val="0"/>
-              </a:spcBef>
-              <a:spcAft>
-                <a:spcPts val="0"/>
-              </a:spcAft>
-              <a:buFontTx/>
-              <a:buNone/>
-            </a:pPr>
-            <a:r>
-              <a:rPr lang="en-US" dirty="0"/>
-              <a:t>	* </a:t>
-            </a:r>
-            <a:r>
-              <a:rPr lang="en-US" dirty="0" err="1"/>
-              <a:t>Sẽ</a:t>
-            </a:r>
-            <a:r>
-              <a:rPr lang="en-US" dirty="0"/>
-              <a:t> </a:t>
-            </a:r>
-            <a:r>
-              <a:rPr lang="en-US" dirty="0" err="1"/>
-              <a:t>nói</a:t>
-            </a:r>
-            <a:r>
-              <a:rPr lang="en-US" dirty="0"/>
-              <a:t> </a:t>
-            </a:r>
-            <a:r>
-              <a:rPr lang="en-US" dirty="0" err="1"/>
-              <a:t>sâu</a:t>
-            </a:r>
-            <a:r>
-              <a:rPr lang="en-US" dirty="0"/>
-              <a:t> h</a:t>
-            </a:r>
-            <a:r>
-              <a:rPr lang="vi-VN" dirty="0"/>
-              <a:t>ơ</a:t>
-            </a:r>
-            <a:r>
-              <a:rPr lang="en-US" dirty="0"/>
-              <a:t>n </a:t>
-            </a:r>
-            <a:r>
-              <a:rPr lang="en-US" dirty="0" err="1"/>
-              <a:t>về</a:t>
-            </a:r>
-            <a:r>
-              <a:rPr lang="en-US" dirty="0"/>
-              <a:t> </a:t>
-            </a:r>
-            <a:r>
-              <a:rPr lang="en-US" dirty="0" err="1"/>
-              <a:t>các</a:t>
-            </a:r>
-            <a:r>
-              <a:rPr lang="en-US" dirty="0"/>
-              <a:t> </a:t>
-            </a:r>
-            <a:r>
-              <a:rPr lang="en-US" dirty="0" err="1"/>
-              <a:t>loại</a:t>
-            </a:r>
-            <a:r>
-              <a:rPr lang="en-US" dirty="0"/>
-              <a:t> event-triggered ở </a:t>
-            </a:r>
-            <a:r>
-              <a:rPr lang="en-US" dirty="0" err="1"/>
-              <a:t>phần</a:t>
-            </a:r>
-            <a:r>
-              <a:rPr lang="en-US" dirty="0"/>
-              <a:t> </a:t>
-            </a:r>
-            <a:r>
-              <a:rPr lang="en-US" dirty="0" err="1"/>
-              <a:t>sau</a:t>
-            </a:r>
-            <a:r>
-              <a:rPr lang="en-US" dirty="0"/>
-              <a:t> </a:t>
-            </a:r>
-            <a:r>
-              <a:rPr lang="en-US" dirty="0" err="1"/>
-              <a:t>của</a:t>
-            </a:r>
-            <a:r>
-              <a:rPr lang="en-US" dirty="0"/>
-              <a:t> </a:t>
-            </a:r>
-            <a:r>
-              <a:rPr lang="en-US" dirty="0" err="1"/>
-              <a:t>buổi</a:t>
-            </a:r>
-            <a:r>
-              <a:rPr lang="en-US" dirty="0"/>
-              <a:t> sharing =&gt; </a:t>
-            </a:r>
-            <a:r>
-              <a:rPr lang="en-US" dirty="0" err="1"/>
-              <a:t>Tiếp</a:t>
-            </a:r>
-            <a:r>
-              <a:rPr lang="en-US" dirty="0"/>
-              <a:t> </a:t>
-            </a:r>
-            <a:r>
-              <a:rPr lang="en-US" dirty="0" err="1"/>
-              <a:t>tục</a:t>
-            </a:r>
-            <a:r>
-              <a:rPr lang="en-US" dirty="0"/>
-              <a:t> </a:t>
-            </a:r>
-            <a:r>
-              <a:rPr lang="en-US" dirty="0" err="1"/>
-              <a:t>đi</a:t>
-            </a:r>
-            <a:r>
-              <a:rPr lang="en-US" dirty="0"/>
-              <a:t> qua </a:t>
-            </a:r>
-            <a:r>
-              <a:rPr lang="en-US" dirty="0" err="1"/>
-              <a:t>giới</a:t>
-            </a:r>
-            <a:r>
-              <a:rPr lang="en-US" dirty="0"/>
-              <a:t> </a:t>
-            </a:r>
-            <a:r>
-              <a:rPr lang="en-US" dirty="0" err="1"/>
-              <a:t>thiệu</a:t>
-            </a:r>
-            <a:r>
-              <a:rPr lang="en-US" dirty="0"/>
-              <a:t> </a:t>
-            </a:r>
-            <a:r>
-              <a:rPr lang="en-US" dirty="0" err="1"/>
-              <a:t>các</a:t>
-            </a:r>
-            <a:r>
-              <a:rPr lang="en-US" dirty="0"/>
-              <a:t> </a:t>
-            </a:r>
-            <a:r>
-              <a:rPr lang="en-US" dirty="0" err="1"/>
-              <a:t>lợi</a:t>
-            </a:r>
-            <a:r>
-              <a:rPr lang="en-US" dirty="0"/>
-              <a:t> </a:t>
-            </a:r>
-            <a:r>
-              <a:rPr lang="en-US" dirty="0" err="1"/>
-              <a:t>ích</a:t>
-            </a:r>
-            <a:r>
-              <a:rPr lang="en-US" dirty="0"/>
-              <a:t> </a:t>
-            </a:r>
-            <a:r>
-              <a:rPr lang="en-US" dirty="0" err="1"/>
-              <a:t>khi</a:t>
-            </a:r>
-            <a:r>
-              <a:rPr lang="en-US" dirty="0"/>
-              <a:t> dung Azure </a:t>
-            </a:r>
-            <a:r>
-              <a:rPr lang="en-US" dirty="0" err="1"/>
-              <a:t>Funcitons</a:t>
-            </a:r>
-            <a:endParaRPr dirty="0"/>
+              <a:t> Microsoft</a:t>
+            </a:r>
           </a:p>
         </p:txBody>
       </p:sp>
@@ -6251,7 +6094,7 @@
     </p:spTree>
     <p:extLst>
       <p:ext uri="{BB962C8B-B14F-4D97-AF65-F5344CB8AC3E}">
-        <p14:creationId xmlns:p14="http://schemas.microsoft.com/office/powerpoint/2010/main" val="1163121475"/>
+        <p14:creationId xmlns:p14="http://schemas.microsoft.com/office/powerpoint/2010/main" val="2732785234"/>
       </p:ext>
     </p:extLst>
   </p:cSld>
@@ -6356,18 +6199,31 @@
             </a:pPr>
             <a:r>
               <a:rPr lang="en-US" dirty="0"/>
-              <a:t>- It is a serverless compute service of Microsoft Azure</a:t>
-            </a:r>
-            <a:br>
+              <a:t>Azure Function </a:t>
+            </a:r>
+            <a:r>
+              <a:rPr lang="en-US" dirty="0" err="1"/>
+              <a:t>là</a:t>
+            </a:r>
+            <a:r>
               <a:rPr lang="en-US" dirty="0"/>
-            </a:br>
+              <a:t> 1 service </a:t>
+            </a:r>
+            <a:r>
+              <a:rPr lang="en-US" dirty="0" err="1"/>
+              <a:t>của</a:t>
+            </a:r>
             <a:r>
               <a:rPr lang="en-US" dirty="0"/>
-              <a:t>	*</a:t>
+              <a:t> Azure cloud đ</a:t>
+            </a:r>
+            <a:r>
+              <a:rPr lang="vi-VN" dirty="0"/>
+              <a:t>ư</a:t>
             </a:r>
             <a:r>
               <a:rPr lang="en-US" dirty="0" err="1"/>
-              <a:t>Giới</a:t>
+              <a:t>ợc</a:t>
             </a:r>
             <a:r>
               <a:rPr lang="en-US" dirty="0"/>
@@ -6375,7 +6231,7 @@
             </a:r>
             <a:r>
               <a:rPr lang="en-US" dirty="0" err="1"/>
-              <a:t>thiệu</a:t>
+              <a:t>cung</a:t>
             </a:r>
             <a:r>
               <a:rPr lang="en-US" dirty="0"/>
@@ -6383,15 +6239,7 @@
             </a:r>
             <a:r>
               <a:rPr lang="en-US" dirty="0" err="1"/>
-              <a:t>nhanh</a:t>
-            </a:r>
-            <a:r>
-              <a:rPr lang="en-US" dirty="0"/>
-              <a:t> qua Azure: </a:t>
-            </a:r>
-            <a:r>
-              <a:rPr lang="en-US" dirty="0" err="1"/>
-              <a:t>Là</a:t>
+              <a:t>cấp</a:t>
             </a:r>
             <a:r>
               <a:rPr lang="en-US" dirty="0"/>
@@ -6399,55 +6247,7 @@
             </a:r>
             <a:r>
               <a:rPr lang="en-US" dirty="0" err="1"/>
-              <a:t>một</a:t>
-            </a:r>
-            <a:r>
-              <a:rPr lang="en-US" dirty="0"/>
-              <a:t> computing cloud </a:t>
-            </a:r>
-            <a:r>
-              <a:rPr lang="en-US" dirty="0" err="1"/>
-              <a:t>của</a:t>
-            </a:r>
-            <a:r>
-              <a:rPr lang="en-US" dirty="0"/>
-              <a:t> Microsoft </a:t>
-            </a:r>
-          </a:p>
-          <a:p>
-            <a:pPr marL="0" lvl="0" indent="0" algn="l" rtl="0">
-              <a:spcBef>
-                <a:spcPts val="0"/>
-              </a:spcBef>
-              <a:spcAft>
-                <a:spcPts val="0"/>
-              </a:spcAft>
-              <a:buFontTx/>
-              <a:buNone/>
-            </a:pPr>
-            <a:r>
-              <a:rPr lang="en-US" dirty="0"/>
-              <a:t>- We have a </a:t>
-            </a:r>
-            <a:r>
-              <a:rPr lang="en-US" dirty="0" err="1"/>
-              <a:t>pice</a:t>
-            </a:r>
-            <a:r>
-              <a:rPr lang="en-US" dirty="0"/>
-              <a:t> of code + Event-triggered + Đ</a:t>
-            </a:r>
-            <a:r>
-              <a:rPr lang="vi-VN" dirty="0"/>
-              <a:t>ư</a:t>
-            </a:r>
-            <a:r>
-              <a:rPr lang="en-US" dirty="0"/>
-              <a:t>a </a:t>
-            </a:r>
-            <a:r>
-              <a:rPr lang="en-US" dirty="0" err="1"/>
-              <a:t>lên</a:t>
+              <a:t>theo</a:t>
             </a:r>
             <a:r>
               <a:rPr lang="en-US" dirty="0"/>
@@ -6455,31 +6255,7 @@
             </a:r>
             <a:r>
               <a:rPr lang="en-US" dirty="0" err="1"/>
-              <a:t>mây</a:t>
-            </a:r>
-            <a:r>
-              <a:rPr lang="en-US" dirty="0"/>
-              <a:t> =&gt; We have azure function</a:t>
-            </a:r>
-          </a:p>
-          <a:p>
-            <a:pPr marL="0" lvl="0" indent="0" algn="l" rtl="0">
-              <a:spcBef>
-                <a:spcPts val="0"/>
-              </a:spcBef>
-              <a:spcAft>
-                <a:spcPts val="0"/>
-              </a:spcAft>
-              <a:buFontTx/>
-              <a:buNone/>
-            </a:pPr>
-            <a:r>
-              <a:rPr lang="en-US" dirty="0"/>
-              <a:t>	* </a:t>
-            </a:r>
-            <a:r>
-              <a:rPr lang="en-US" dirty="0" err="1"/>
-              <a:t>Sẽ</a:t>
+              <a:t>kiến</a:t>
             </a:r>
             <a:r>
               <a:rPr lang="en-US" dirty="0"/>
@@ -6487,7 +6263,7 @@
             </a:r>
             <a:r>
               <a:rPr lang="en-US" dirty="0" err="1"/>
-              <a:t>nói</a:t>
+              <a:t>trúc</a:t>
             </a:r>
             <a:r>
               <a:rPr lang="en-US" dirty="0"/>
@@ -6495,23 +6271,23 @@
             </a:r>
             <a:r>
               <a:rPr lang="en-US" dirty="0" err="1"/>
-              <a:t>sâu</a:t>
+              <a:t>FaaS</a:t>
             </a:r>
             <a:r>
               <a:rPr lang="en-US" dirty="0"/>
-              <a:t> h</a:t>
-            </a:r>
-            <a:r>
-              <a:rPr lang="vi-VN" dirty="0"/>
-              <a:t>ơ</a:t>
+              <a:t> =&gt; Dev ko </a:t>
+            </a:r>
+            <a:r>
+              <a:rPr lang="en-US" dirty="0" err="1"/>
+              <a:t>cần</a:t>
             </a:r>
             <a:r>
               <a:rPr lang="en-US" dirty="0"/>
-              <a:t>n </a:t>
+              <a:t> handle physical hardware, OS, software,…. </a:t>
             </a:r>
             <a:r>
               <a:rPr lang="en-US" dirty="0" err="1"/>
-              <a:t>về</a:t>
+              <a:t>Chỉ</a:t>
             </a:r>
             <a:r>
               <a:rPr lang="en-US" dirty="0"/>
@@ -6519,7 +6295,7 @@
             </a:r>
             <a:r>
               <a:rPr lang="en-US" dirty="0" err="1"/>
-              <a:t>các</a:t>
+              <a:t>cần</a:t>
             </a:r>
             <a:r>
               <a:rPr lang="en-US" dirty="0"/>
@@ -6527,15 +6303,7 @@
             </a:r>
             <a:r>
               <a:rPr lang="en-US" dirty="0" err="1"/>
-              <a:t>loại</a:t>
-            </a:r>
-            <a:r>
-              <a:rPr lang="en-US" dirty="0"/>
-              <a:t> event-triggered ở </a:t>
-            </a:r>
-            <a:r>
-              <a:rPr lang="en-US" dirty="0" err="1"/>
-              <a:t>phần</a:t>
+              <a:t>tập</a:t>
             </a:r>
             <a:r>
               <a:rPr lang="en-US" dirty="0"/>
@@ -6543,7 +6311,111 @@
             </a:r>
             <a:r>
               <a:rPr lang="en-US" dirty="0" err="1"/>
-              <a:t>sau</a:t>
+              <a:t>trung</a:t>
+            </a:r>
+            <a:r>
+              <a:rPr lang="en-US" dirty="0"/>
+              <a:t> </a:t>
+            </a:r>
+            <a:r>
+              <a:rPr lang="en-US" dirty="0" err="1"/>
+              <a:t>vào</a:t>
+            </a:r>
+            <a:r>
+              <a:rPr lang="en-US" dirty="0"/>
+              <a:t> code </a:t>
+            </a:r>
+            <a:r>
+              <a:rPr lang="en-US" dirty="0" err="1"/>
+              <a:t>sao</a:t>
+            </a:r>
+            <a:r>
+              <a:rPr lang="en-US" dirty="0"/>
+              <a:t> </a:t>
+            </a:r>
+            <a:r>
+              <a:rPr lang="en-US" dirty="0" err="1"/>
+              <a:t>cho</a:t>
+            </a:r>
+            <a:r>
+              <a:rPr lang="en-US" dirty="0"/>
+              <a:t> </a:t>
+            </a:r>
+            <a:r>
+              <a:rPr lang="en-US" dirty="0" err="1"/>
+              <a:t>tinh</a:t>
+            </a:r>
+            <a:r>
+              <a:rPr lang="en-US" dirty="0"/>
+              <a:t> </a:t>
+            </a:r>
+            <a:r>
+              <a:rPr lang="en-US" dirty="0" err="1"/>
+              <a:t>gọn</a:t>
+            </a:r>
+            <a:r>
+              <a:rPr lang="en-US" dirty="0"/>
+              <a:t>, </a:t>
+            </a:r>
+            <a:r>
+              <a:rPr lang="en-US" dirty="0" err="1"/>
+              <a:t>hiệu</a:t>
+            </a:r>
+            <a:r>
+              <a:rPr lang="en-US" dirty="0"/>
+              <a:t> </a:t>
+            </a:r>
+            <a:r>
+              <a:rPr lang="en-US" dirty="0" err="1"/>
+              <a:t>quả</a:t>
+            </a:r>
+            <a:r>
+              <a:rPr lang="en-US" dirty="0"/>
+              <a:t> </a:t>
+            </a:r>
+            <a:r>
+              <a:rPr lang="en-US" dirty="0" err="1"/>
+              <a:t>và</a:t>
+            </a:r>
+            <a:r>
+              <a:rPr lang="en-US" dirty="0"/>
+              <a:t> </a:t>
+            </a:r>
+            <a:r>
+              <a:rPr lang="en-US" dirty="0" err="1"/>
+              <a:t>hiệu</a:t>
+            </a:r>
+            <a:r>
+              <a:rPr lang="en-US" dirty="0"/>
+              <a:t> </a:t>
+            </a:r>
+            <a:r>
+              <a:rPr lang="en-US" dirty="0" err="1"/>
+              <a:t>suất</a:t>
+            </a:r>
+            <a:r>
+              <a:rPr lang="en-US" dirty="0"/>
+              <a:t> </a:t>
+            </a:r>
+            <a:r>
+              <a:rPr lang="en-US" dirty="0" err="1"/>
+              <a:t>nhất</a:t>
+            </a:r>
+            <a:r>
+              <a:rPr lang="en-US" dirty="0"/>
+              <a:t> </a:t>
+            </a:r>
+            <a:r>
+              <a:rPr lang="en-US" dirty="0" err="1"/>
+              <a:t>có</a:t>
+            </a:r>
+            <a:r>
+              <a:rPr lang="en-US" dirty="0"/>
+              <a:t> </a:t>
+            </a:r>
+            <a:r>
+              <a:rPr lang="en-US" dirty="0" err="1"/>
+              <a:t>thể</a:t>
             </a:r>
             <a:endParaRPr dirty="0"/>
           </a:p>
@@ -6552,7 +6424,7 @@
     </p:spTree>
     <p:extLst>
       <p:ext uri="{BB962C8B-B14F-4D97-AF65-F5344CB8AC3E}">
-        <p14:creationId xmlns:p14="http://schemas.microsoft.com/office/powerpoint/2010/main" val="2732785234"/>
+        <p14:creationId xmlns:p14="http://schemas.microsoft.com/office/powerpoint/2010/main" val="1163121475"/>
       </p:ext>
     </p:extLst>
   </p:cSld>
@@ -20108,171 +19980,40 @@
           </a:p>
         </p:txBody>
       </p:sp>
-      <p:sp>
-        <p:nvSpPr>
-          <p:cNvPr id="8" name="Google Shape;532;p37">
+      <p:pic>
+        <p:nvPicPr>
+          <p:cNvPr id="2" name="Picture 1">
             <a:extLst>
               <a:ext uri="{FF2B5EF4-FFF2-40B4-BE49-F238E27FC236}">
-                <a16:creationId xmlns:a16="http://schemas.microsoft.com/office/drawing/2014/main" id="{D98C6BA7-8550-49E2-8CFC-3932FE5E6B70}"/>
+                <a16:creationId xmlns:a16="http://schemas.microsoft.com/office/drawing/2014/main" id="{5F679E0C-340D-4993-9785-06A141726336}"/>
               </a:ext>
             </a:extLst>
           </p:cNvPr>
-          <p:cNvSpPr txBox="1"/>
+          <p:cNvPicPr>
+            <a:picLocks noChangeAspect="1"/>
+          </p:cNvPicPr>
           <p:nvPr/>
-        </p:nvSpPr>
+        </p:nvPicPr>
+        <p:blipFill>
+          <a:blip r:embed="rId5"/>
+          <a:stretch>
+            <a:fillRect/>
+          </a:stretch>
+        </p:blipFill>
         <p:spPr>
           <a:xfrm>
-            <a:off x="393000" y="633675"/>
-            <a:ext cx="8358000" cy="2646848"/>
+            <a:off x="1623601" y="1133274"/>
+            <a:ext cx="5896798" cy="2876951"/>
           </a:xfrm>
           <a:prstGeom prst="rect">
             <a:avLst/>
           </a:prstGeom>
-          <a:noFill/>
-          <a:ln>
-            <a:noFill/>
-          </a:ln>
         </p:spPr>
-        <p:txBody>
-          <a:bodyPr spcFirstLastPara="1" wrap="square" lIns="91425" tIns="91425" rIns="91425" bIns="91425" anchor="t" anchorCtr="0">
-            <a:spAutoFit/>
-          </a:bodyPr>
-          <a:lstStyle/>
-          <a:p>
-            <a:pPr marL="171450" lvl="0" indent="-171450">
-              <a:buFont typeface="Arial" panose="020B0604020202020204" pitchFamily="34" charset="0"/>
-              <a:buChar char="•"/>
-            </a:pPr>
-            <a:r>
-              <a:rPr lang="en-US" sz="2000" dirty="0">
-                <a:solidFill>
-                  <a:srgbClr val="151B22"/>
-                </a:solidFill>
-                <a:latin typeface="Roboto Light"/>
-                <a:ea typeface="Roboto Light"/>
-                <a:cs typeface="Roboto Light"/>
-                <a:sym typeface="Roboto Light"/>
-              </a:rPr>
-              <a:t>A Function as Service (</a:t>
-            </a:r>
-            <a:r>
-              <a:rPr lang="en-US" sz="2000" dirty="0" err="1">
-                <a:solidFill>
-                  <a:srgbClr val="151B22"/>
-                </a:solidFill>
-                <a:latin typeface="Roboto Light"/>
-                <a:ea typeface="Roboto Light"/>
-                <a:cs typeface="Roboto Light"/>
-                <a:sym typeface="Roboto Light"/>
-              </a:rPr>
-              <a:t>FaaS</a:t>
-            </a:r>
-            <a:r>
-              <a:rPr lang="en-US" sz="2000" dirty="0">
-                <a:solidFill>
-                  <a:srgbClr val="151B22"/>
-                </a:solidFill>
-                <a:latin typeface="Roboto Light"/>
-                <a:ea typeface="Roboto Light"/>
-                <a:cs typeface="Roboto Light"/>
-                <a:sym typeface="Roboto Light"/>
-              </a:rPr>
-              <a:t>) offering that allows developers to focus on writing code and not worry about maintaining the underlying computing infrastructure.</a:t>
-            </a:r>
-          </a:p>
-          <a:p>
-            <a:pPr marL="171450" lvl="0" indent="-171450">
-              <a:buFont typeface="Arial" panose="020B0604020202020204" pitchFamily="34" charset="0"/>
-              <a:buChar char="•"/>
-            </a:pPr>
-            <a:r>
-              <a:rPr lang="en-US" sz="2000" dirty="0">
-                <a:solidFill>
-                  <a:srgbClr val="151B22"/>
-                </a:solidFill>
-                <a:latin typeface="Roboto Light"/>
-                <a:ea typeface="Roboto Light"/>
-                <a:cs typeface="Roboto Light"/>
-                <a:sym typeface="Roboto Light"/>
-              </a:rPr>
-              <a:t>Azure Functions are "</a:t>
-            </a:r>
-            <a:r>
-              <a:rPr lang="en-US" sz="2000" dirty="0" err="1">
-                <a:solidFill>
-                  <a:srgbClr val="151B22"/>
-                </a:solidFill>
-                <a:latin typeface="Roboto Light"/>
-                <a:ea typeface="Roboto Light"/>
-                <a:cs typeface="Roboto Light"/>
-                <a:sym typeface="Roboto Light"/>
-              </a:rPr>
-              <a:t>nanoservices</a:t>
-            </a:r>
-            <a:r>
-              <a:rPr lang="en-US" sz="2000" dirty="0">
-                <a:solidFill>
-                  <a:srgbClr val="151B22"/>
-                </a:solidFill>
-                <a:latin typeface="Roboto Light"/>
-                <a:ea typeface="Roboto Light"/>
-                <a:cs typeface="Roboto Light"/>
-                <a:sym typeface="Roboto Light"/>
-              </a:rPr>
-              <a:t>" that can scale based on demand (only paying for the resources you use)</a:t>
-            </a:r>
-          </a:p>
-          <a:p>
-            <a:pPr marL="171450" lvl="0" indent="-171450">
-              <a:buFont typeface="Arial" panose="020B0604020202020204" pitchFamily="34" charset="0"/>
-              <a:buChar char="•"/>
-            </a:pPr>
-            <a:endParaRPr lang="en-US" sz="2000" dirty="0">
-              <a:solidFill>
-                <a:srgbClr val="151B22"/>
-              </a:solidFill>
-              <a:latin typeface="Roboto Light"/>
-              <a:ea typeface="Roboto Light"/>
-              <a:cs typeface="Roboto Light"/>
-              <a:sym typeface="Roboto Light"/>
-            </a:endParaRPr>
-          </a:p>
-          <a:p>
-            <a:pPr marL="171450" lvl="0" indent="-171450">
-              <a:buFont typeface="Arial" panose="020B0604020202020204" pitchFamily="34" charset="0"/>
-              <a:buChar char="•"/>
-            </a:pPr>
-            <a:endParaRPr lang="en-US" sz="2000" dirty="0">
-              <a:solidFill>
-                <a:srgbClr val="151B22"/>
-              </a:solidFill>
-              <a:latin typeface="Roboto Light"/>
-              <a:ea typeface="Roboto Light"/>
-              <a:cs typeface="Roboto Light"/>
-              <a:sym typeface="Roboto Light"/>
-            </a:endParaRPr>
-          </a:p>
-          <a:p>
-            <a:pPr marL="171450" lvl="0" indent="-171450">
-              <a:buFont typeface="Arial" panose="020B0604020202020204" pitchFamily="34" charset="0"/>
-              <a:buChar char="•"/>
-            </a:pPr>
-            <a:endParaRPr sz="2000" dirty="0">
-              <a:solidFill>
-                <a:srgbClr val="151B22"/>
-              </a:solidFill>
-              <a:latin typeface="Roboto Light"/>
-              <a:ea typeface="Roboto Light"/>
-              <a:cs typeface="Roboto Light"/>
-              <a:sym typeface="Roboto Light"/>
-            </a:endParaRPr>
-          </a:p>
-        </p:txBody>
-      </p:sp>
+      </p:pic>
     </p:spTree>
     <p:extLst>
       <p:ext uri="{BB962C8B-B14F-4D97-AF65-F5344CB8AC3E}">
-        <p14:creationId xmlns:p14="http://schemas.microsoft.com/office/powerpoint/2010/main" val="2056641480"/>
+        <p14:creationId xmlns:p14="http://schemas.microsoft.com/office/powerpoint/2010/main" val="4123136190"/>
       </p:ext>
     </p:extLst>
   </p:cSld>
@@ -20468,40 +20209,171 @@
           </a:p>
         </p:txBody>
       </p:sp>
-      <p:pic>
-        <p:nvPicPr>
-          <p:cNvPr id="2" name="Picture 1">
+      <p:sp>
+        <p:nvSpPr>
+          <p:cNvPr id="8" name="Google Shape;532;p37">
             <a:extLst>
               <a:ext uri="{FF2B5EF4-FFF2-40B4-BE49-F238E27FC236}">
-                <a16:creationId xmlns:a16="http://schemas.microsoft.com/office/drawing/2014/main" id="{5F679E0C-340D-4993-9785-06A141726336}"/>
+                <a16:creationId xmlns:a16="http://schemas.microsoft.com/office/drawing/2014/main" id="{D98C6BA7-8550-49E2-8CFC-3932FE5E6B70}"/>
               </a:ext>
             </a:extLst>
           </p:cNvPr>
-          <p:cNvPicPr>
-            <a:picLocks noChangeAspect="1"/>
-          </p:cNvPicPr>
+          <p:cNvSpPr txBox="1"/>
           <p:nvPr/>
-        </p:nvPicPr>
-        <p:blipFill>
-          <a:blip r:embed="rId5"/>
-          <a:stretch>
-            <a:fillRect/>
-          </a:stretch>
-        </p:blipFill>
+        </p:nvSpPr>
         <p:spPr>
           <a:xfrm>
-            <a:off x="1623601" y="1133274"/>
-            <a:ext cx="5896798" cy="2876951"/>
+            <a:off x="393000" y="633675"/>
+            <a:ext cx="8358000" cy="2646848"/>
           </a:xfrm>
           <a:prstGeom prst="rect">
             <a:avLst/>
           </a:prstGeom>
+          <a:noFill/>
+          <a:ln>
+            <a:noFill/>
+          </a:ln>
         </p:spPr>
-      </p:pic>
+        <p:txBody>
+          <a:bodyPr spcFirstLastPara="1" wrap="square" lIns="91425" tIns="91425" rIns="91425" bIns="91425" anchor="t" anchorCtr="0">
+            <a:spAutoFit/>
+          </a:bodyPr>
+          <a:lstStyle/>
+          <a:p>
+            <a:pPr marL="171450" lvl="0" indent="-171450">
+              <a:buFont typeface="Arial" panose="020B0604020202020204" pitchFamily="34" charset="0"/>
+              <a:buChar char="•"/>
+            </a:pPr>
+            <a:r>
+              <a:rPr lang="en-US" sz="2000" dirty="0">
+                <a:solidFill>
+                  <a:srgbClr val="151B22"/>
+                </a:solidFill>
+                <a:latin typeface="Roboto Light"/>
+                <a:ea typeface="Roboto Light"/>
+                <a:cs typeface="Roboto Light"/>
+                <a:sym typeface="Roboto Light"/>
+              </a:rPr>
+              <a:t>Function as a Service (</a:t>
+            </a:r>
+            <a:r>
+              <a:rPr lang="en-US" sz="2000" dirty="0" err="1">
+                <a:solidFill>
+                  <a:srgbClr val="151B22"/>
+                </a:solidFill>
+                <a:latin typeface="Roboto Light"/>
+                <a:ea typeface="Roboto Light"/>
+                <a:cs typeface="Roboto Light"/>
+                <a:sym typeface="Roboto Light"/>
+              </a:rPr>
+              <a:t>FaaS</a:t>
+            </a:r>
+            <a:r>
+              <a:rPr lang="en-US" sz="2000" dirty="0">
+                <a:solidFill>
+                  <a:srgbClr val="151B22"/>
+                </a:solidFill>
+                <a:latin typeface="Roboto Light"/>
+                <a:ea typeface="Roboto Light"/>
+                <a:cs typeface="Roboto Light"/>
+                <a:sym typeface="Roboto Light"/>
+              </a:rPr>
+              <a:t>) offering that allows developers to focus on writing code and not worry about maintaining the underlying computing infrastructure.</a:t>
+            </a:r>
+          </a:p>
+          <a:p>
+            <a:pPr marL="171450" lvl="0" indent="-171450">
+              <a:buFont typeface="Arial" panose="020B0604020202020204" pitchFamily="34" charset="0"/>
+              <a:buChar char="•"/>
+            </a:pPr>
+            <a:r>
+              <a:rPr lang="en-US" sz="2000" dirty="0">
+                <a:solidFill>
+                  <a:srgbClr val="151B22"/>
+                </a:solidFill>
+                <a:latin typeface="Roboto Light"/>
+                <a:ea typeface="Roboto Light"/>
+                <a:cs typeface="Roboto Light"/>
+                <a:sym typeface="Roboto Light"/>
+              </a:rPr>
+              <a:t>Azure Functions are "</a:t>
+            </a:r>
+            <a:r>
+              <a:rPr lang="en-US" sz="2000" dirty="0" err="1">
+                <a:solidFill>
+                  <a:srgbClr val="151B22"/>
+                </a:solidFill>
+                <a:latin typeface="Roboto Light"/>
+                <a:ea typeface="Roboto Light"/>
+                <a:cs typeface="Roboto Light"/>
+                <a:sym typeface="Roboto Light"/>
+              </a:rPr>
+              <a:t>nanoservices</a:t>
+            </a:r>
+            <a:r>
+              <a:rPr lang="en-US" sz="2000" dirty="0">
+                <a:solidFill>
+                  <a:srgbClr val="151B22"/>
+                </a:solidFill>
+                <a:latin typeface="Roboto Light"/>
+                <a:ea typeface="Roboto Light"/>
+                <a:cs typeface="Roboto Light"/>
+                <a:sym typeface="Roboto Light"/>
+              </a:rPr>
+              <a:t>" that can scale based on demand (only paying for the resources you use)</a:t>
+            </a:r>
+          </a:p>
+          <a:p>
+            <a:pPr marL="171450" lvl="0" indent="-171450">
+              <a:buFont typeface="Arial" panose="020B0604020202020204" pitchFamily="34" charset="0"/>
+              <a:buChar char="•"/>
+            </a:pPr>
+            <a:endParaRPr lang="en-US" sz="2000" dirty="0">
+              <a:solidFill>
+                <a:srgbClr val="151B22"/>
+              </a:solidFill>
+              <a:latin typeface="Roboto Light"/>
+              <a:ea typeface="Roboto Light"/>
+              <a:cs typeface="Roboto Light"/>
+              <a:sym typeface="Roboto Light"/>
+            </a:endParaRPr>
+          </a:p>
+          <a:p>
+            <a:pPr marL="171450" lvl="0" indent="-171450">
+              <a:buFont typeface="Arial" panose="020B0604020202020204" pitchFamily="34" charset="0"/>
+              <a:buChar char="•"/>
+            </a:pPr>
+            <a:endParaRPr lang="en-US" sz="2000" dirty="0">
+              <a:solidFill>
+                <a:srgbClr val="151B22"/>
+              </a:solidFill>
+              <a:latin typeface="Roboto Light"/>
+              <a:ea typeface="Roboto Light"/>
+              <a:cs typeface="Roboto Light"/>
+              <a:sym typeface="Roboto Light"/>
+            </a:endParaRPr>
+          </a:p>
+          <a:p>
+            <a:pPr marL="171450" lvl="0" indent="-171450">
+              <a:buFont typeface="Arial" panose="020B0604020202020204" pitchFamily="34" charset="0"/>
+              <a:buChar char="•"/>
+            </a:pPr>
+            <a:endParaRPr sz="2000" dirty="0">
+              <a:solidFill>
+                <a:srgbClr val="151B22"/>
+              </a:solidFill>
+              <a:latin typeface="Roboto Light"/>
+              <a:ea typeface="Roboto Light"/>
+              <a:cs typeface="Roboto Light"/>
+              <a:sym typeface="Roboto Light"/>
+            </a:endParaRPr>
+          </a:p>
+        </p:txBody>
+      </p:sp>
     </p:spTree>
     <p:extLst>
       <p:ext uri="{BB962C8B-B14F-4D97-AF65-F5344CB8AC3E}">
-        <p14:creationId xmlns:p14="http://schemas.microsoft.com/office/powerpoint/2010/main" val="4123136190"/>
+        <p14:creationId xmlns:p14="http://schemas.microsoft.com/office/powerpoint/2010/main" val="2056641480"/>
       </p:ext>
     </p:extLst>
   </p:cSld>
@@ -21123,7 +20995,7 @@
 
 <file path=ppt/tags/tag1.xml><?xml version="1.0" encoding="utf-8"?>
 <p:tagLst xmlns:a="http://schemas.openxmlformats.org/drawingml/2006/main" xmlns:r="http://schemas.openxmlformats.org/officeDocument/2006/relationships" xmlns:p="http://schemas.openxmlformats.org/presentationml/2006/main">
-  <p:tag name="WR_METADATA_KEY" val="e2b4ee6a-19a5-4a00-9cc5-6de09cda2add"/>
+  <p:tag name="WR_METADATA_KEY" val="de592499-078b-47e7-a02b-2e7d7bc8c03a"/>
 </p:tagLst>
 </file>
 
